--- a/0012/paT2_and_pgT2_Camila_v2.pptx
+++ b/0012/paT2_and_pgT2_Camila_v2.pptx
@@ -3497,7 +3497,7 @@
           <a:p>
             <a:fld id="{DE38AD76-78BD-4DD4-B917-3C581A37BE22}" type="datetimeFigureOut">
               <a:rPr lang="en-US" smtClean="0"/>
-              <a:t>2/26/20</a:t>
+              <a:t>3/8/20</a:t>
             </a:fld>
             <a:endParaRPr lang="en-US"/>
           </a:p>
@@ -3667,7 +3667,7 @@
           <a:p>
             <a:fld id="{DE38AD76-78BD-4DD4-B917-3C581A37BE22}" type="datetimeFigureOut">
               <a:rPr lang="en-US" smtClean="0"/>
-              <a:t>2/26/20</a:t>
+              <a:t>3/8/20</a:t>
             </a:fld>
             <a:endParaRPr lang="en-US"/>
           </a:p>
@@ -3847,7 +3847,7 @@
           <a:p>
             <a:fld id="{DE38AD76-78BD-4DD4-B917-3C581A37BE22}" type="datetimeFigureOut">
               <a:rPr lang="en-US" smtClean="0"/>
-              <a:t>2/26/20</a:t>
+              <a:t>3/8/20</a:t>
             </a:fld>
             <a:endParaRPr lang="en-US"/>
           </a:p>
@@ -4017,7 +4017,7 @@
           <a:p>
             <a:fld id="{DE38AD76-78BD-4DD4-B917-3C581A37BE22}" type="datetimeFigureOut">
               <a:rPr lang="en-US" smtClean="0"/>
-              <a:t>2/26/20</a:t>
+              <a:t>3/8/20</a:t>
             </a:fld>
             <a:endParaRPr lang="en-US"/>
           </a:p>
@@ -4261,7 +4261,7 @@
           <a:p>
             <a:fld id="{DE38AD76-78BD-4DD4-B917-3C581A37BE22}" type="datetimeFigureOut">
               <a:rPr lang="en-US" smtClean="0"/>
-              <a:t>2/26/20</a:t>
+              <a:t>3/8/20</a:t>
             </a:fld>
             <a:endParaRPr lang="en-US"/>
           </a:p>
@@ -4493,7 +4493,7 @@
           <a:p>
             <a:fld id="{DE38AD76-78BD-4DD4-B917-3C581A37BE22}" type="datetimeFigureOut">
               <a:rPr lang="en-US" smtClean="0"/>
-              <a:t>2/26/20</a:t>
+              <a:t>3/8/20</a:t>
             </a:fld>
             <a:endParaRPr lang="en-US"/>
           </a:p>
@@ -4860,7 +4860,7 @@
           <a:p>
             <a:fld id="{DE38AD76-78BD-4DD4-B917-3C581A37BE22}" type="datetimeFigureOut">
               <a:rPr lang="en-US" smtClean="0"/>
-              <a:t>2/26/20</a:t>
+              <a:t>3/8/20</a:t>
             </a:fld>
             <a:endParaRPr lang="en-US"/>
           </a:p>
@@ -4978,7 +4978,7 @@
           <a:p>
             <a:fld id="{DE38AD76-78BD-4DD4-B917-3C581A37BE22}" type="datetimeFigureOut">
               <a:rPr lang="en-US" smtClean="0"/>
-              <a:t>2/26/20</a:t>
+              <a:t>3/8/20</a:t>
             </a:fld>
             <a:endParaRPr lang="en-US"/>
           </a:p>
@@ -5073,7 +5073,7 @@
           <a:p>
             <a:fld id="{DE38AD76-78BD-4DD4-B917-3C581A37BE22}" type="datetimeFigureOut">
               <a:rPr lang="en-US" smtClean="0"/>
-              <a:t>2/26/20</a:t>
+              <a:t>3/8/20</a:t>
             </a:fld>
             <a:endParaRPr lang="en-US"/>
           </a:p>
@@ -5350,7 +5350,7 @@
           <a:p>
             <a:fld id="{DE38AD76-78BD-4DD4-B917-3C581A37BE22}" type="datetimeFigureOut">
               <a:rPr lang="en-US" smtClean="0"/>
-              <a:t>2/26/20</a:t>
+              <a:t>3/8/20</a:t>
             </a:fld>
             <a:endParaRPr lang="en-US"/>
           </a:p>
@@ -5607,7 +5607,7 @@
           <a:p>
             <a:fld id="{DE38AD76-78BD-4DD4-B917-3C581A37BE22}" type="datetimeFigureOut">
               <a:rPr lang="en-US" smtClean="0"/>
-              <a:t>2/26/20</a:t>
+              <a:t>3/8/20</a:t>
             </a:fld>
             <a:endParaRPr lang="en-US"/>
           </a:p>
@@ -5820,7 +5820,7 @@
           <a:p>
             <a:fld id="{DE38AD76-78BD-4DD4-B917-3C581A37BE22}" type="datetimeFigureOut">
               <a:rPr lang="en-US" smtClean="0"/>
-              <a:t>2/26/20</a:t>
+              <a:t>3/8/20</a:t>
             </a:fld>
             <a:endParaRPr lang="en-US"/>
           </a:p>
@@ -9740,7 +9740,7 @@
           <a:graphicData uri="http://schemas.openxmlformats.org/presentationml/2006/ole">
             <mc:AlternateContent xmlns:mc="http://schemas.openxmlformats.org/markup-compatibility/2006">
               <mc:Choice xmlns:v="urn:schemas-microsoft-com:vml" Requires="v">
-                <p:oleObj spid="_x0000_s5182" name="CS ChemDraw Drawing" r:id="rId5" imgW="1296702" imgH="869803" progId="ChemDraw.Document.6.0">
+                <p:oleObj spid="_x0000_s5183" name="CS ChemDraw Drawing" r:id="rId5" imgW="1296702" imgH="869803" progId="ChemDraw.Document.6.0">
                   <p:embed/>
                 </p:oleObj>
               </mc:Choice>
@@ -19465,7 +19465,7 @@
           <a:graphicData uri="http://schemas.openxmlformats.org/presentationml/2006/ole">
             <mc:AlternateContent xmlns:mc="http://schemas.openxmlformats.org/markup-compatibility/2006">
               <mc:Choice xmlns:v="urn:schemas-microsoft-com:vml" Requires="v">
-                <p:oleObj spid="_x0000_s3155" name="CS ChemDraw Drawing" r:id="rId5" imgW="1942755" imgH="970529" progId="ChemDraw.Document.6.0">
+                <p:oleObj spid="_x0000_s3156" name="CS ChemDraw Drawing" r:id="rId5" imgW="1942755" imgH="970529" progId="ChemDraw.Document.6.0">
                   <p:embed/>
                 </p:oleObj>
               </mc:Choice>
@@ -26093,7 +26093,7 @@
           <a:graphicData uri="http://schemas.openxmlformats.org/presentationml/2006/ole">
             <mc:AlternateContent xmlns:mc="http://schemas.openxmlformats.org/markup-compatibility/2006">
               <mc:Choice xmlns:v="urn:schemas-microsoft-com:vml" Requires="v">
-                <p:oleObj spid="_x0000_s7243" name="CS ChemDraw Drawing" r:id="rId3" imgW="1296702" imgH="869803" progId="ChemDraw.Document.6.0">
+                <p:oleObj spid="_x0000_s7245" name="CS ChemDraw Drawing" r:id="rId3" imgW="1296702" imgH="869803" progId="ChemDraw.Document.6.0">
                   <p:embed/>
                 </p:oleObj>
               </mc:Choice>
@@ -26565,7 +26565,7 @@
           <a:graphicData uri="http://schemas.openxmlformats.org/presentationml/2006/ole">
             <mc:AlternateContent xmlns:mc="http://schemas.openxmlformats.org/markup-compatibility/2006">
               <mc:Choice xmlns:v="urn:schemas-microsoft-com:vml" Requires="v">
-                <p:oleObj spid="_x0000_s7244" name="Worksheet" r:id="rId7" imgW="6568545" imgH="579137" progId="Excel.Sheet.12">
+                <p:oleObj spid="_x0000_s7246" name="Worksheet" r:id="rId7" imgW="6568545" imgH="579137" progId="Excel.Sheet.12">
                   <p:embed/>
                 </p:oleObj>
               </mc:Choice>
@@ -26854,7 +26854,7 @@
           <a:graphicData uri="http://schemas.openxmlformats.org/presentationml/2006/ole">
             <mc:AlternateContent xmlns:mc="http://schemas.openxmlformats.org/markup-compatibility/2006">
               <mc:Choice xmlns:v="urn:schemas-microsoft-com:vml" Requires="v">
-                <p:oleObj spid="_x0000_s8245" name="CS ChemDraw Drawing" r:id="rId4" imgW="1942755" imgH="970529" progId="ChemDraw.Document.6.0">
+                <p:oleObj spid="_x0000_s8246" name="CS ChemDraw Drawing" r:id="rId4" imgW="1942755" imgH="970529" progId="ChemDraw.Document.6.0">
                   <p:embed/>
                 </p:oleObj>
               </mc:Choice>
@@ -27608,18 +27608,18 @@
 </file>
 
 <file path=customXml/item2.xml><?xml version="1.0" encoding="utf-8"?>
+<p:properties xmlns:p="http://schemas.microsoft.com/office/2006/metadata/properties" xmlns:xsi="http://www.w3.org/2001/XMLSchema-instance" xmlns:pc="http://schemas.microsoft.com/office/infopath/2007/PartnerControls">
+  <documentManagement/>
+</p:properties>
+</file>
+
+<file path=customXml/item3.xml><?xml version="1.0" encoding="utf-8"?>
 <?mso-contentType ?>
 <FormTemplates xmlns="http://schemas.microsoft.com/sharepoint/v3/contenttype/forms">
   <Display>DocumentLibraryForm</Display>
   <Edit>DocumentLibraryForm</Edit>
   <New>DocumentLibraryForm</New>
 </FormTemplates>
-</file>
-
-<file path=customXml/item3.xml><?xml version="1.0" encoding="utf-8"?>
-<p:properties xmlns:p="http://schemas.microsoft.com/office/2006/metadata/properties" xmlns:xsi="http://www.w3.org/2001/XMLSchema-instance" xmlns:pc="http://schemas.microsoft.com/office/infopath/2007/PartnerControls">
-  <documentManagement/>
-</p:properties>
 </file>
 
 <file path=customXml/itemProps1.xml><?xml version="1.0" encoding="utf-8"?>
@@ -27642,18 +27642,18 @@
 </file>
 
 <file path=customXml/itemProps2.xml><?xml version="1.0" encoding="utf-8"?>
-<ds:datastoreItem xmlns:ds="http://schemas.openxmlformats.org/officeDocument/2006/customXml" ds:itemID="{9E718BB7-C3C2-4FB9-931E-08642F4C2353}">
-  <ds:schemaRefs>
-    <ds:schemaRef ds:uri="http://schemas.microsoft.com/sharepoint/v3/contenttype/forms"/>
-  </ds:schemaRefs>
-</ds:datastoreItem>
-</file>
-
-<file path=customXml/itemProps3.xml><?xml version="1.0" encoding="utf-8"?>
 <ds:datastoreItem xmlns:ds="http://schemas.openxmlformats.org/officeDocument/2006/customXml" ds:itemID="{4CAE8237-6E7F-47CD-ACE3-3C3CE9980825}">
   <ds:schemaRefs>
     <ds:schemaRef ds:uri="http://schemas.microsoft.com/office/2006/metadata/properties"/>
     <ds:schemaRef ds:uri="http://schemas.microsoft.com/office/infopath/2007/PartnerControls"/>
   </ds:schemaRefs>
 </ds:datastoreItem>
+</file>
+
+<file path=customXml/itemProps3.xml><?xml version="1.0" encoding="utf-8"?>
+<ds:datastoreItem xmlns:ds="http://schemas.openxmlformats.org/officeDocument/2006/customXml" ds:itemID="{9E718BB7-C3C2-4FB9-931E-08642F4C2353}">
+  <ds:schemaRefs>
+    <ds:schemaRef ds:uri="http://schemas.microsoft.com/sharepoint/v3/contenttype/forms"/>
+  </ds:schemaRefs>
+</ds:datastoreItem>
 </file>
--- a/0012/paT2_and_pgT2_Camila_v2.pptx
+++ b/0012/paT2_and_pgT2_Camila_v2.pptx
@@ -3497,7 +3497,7 @@
           <a:p>
             <a:fld id="{DE38AD76-78BD-4DD4-B917-3C581A37BE22}" type="datetimeFigureOut">
               <a:rPr lang="en-US" smtClean="0"/>
-              <a:t>3/8/20</a:t>
+              <a:t>3/23/20</a:t>
             </a:fld>
             <a:endParaRPr lang="en-US"/>
           </a:p>
@@ -3667,7 +3667,7 @@
           <a:p>
             <a:fld id="{DE38AD76-78BD-4DD4-B917-3C581A37BE22}" type="datetimeFigureOut">
               <a:rPr lang="en-US" smtClean="0"/>
-              <a:t>3/8/20</a:t>
+              <a:t>3/23/20</a:t>
             </a:fld>
             <a:endParaRPr lang="en-US"/>
           </a:p>
@@ -3847,7 +3847,7 @@
           <a:p>
             <a:fld id="{DE38AD76-78BD-4DD4-B917-3C581A37BE22}" type="datetimeFigureOut">
               <a:rPr lang="en-US" smtClean="0"/>
-              <a:t>3/8/20</a:t>
+              <a:t>3/23/20</a:t>
             </a:fld>
             <a:endParaRPr lang="en-US"/>
           </a:p>
@@ -4017,7 +4017,7 @@
           <a:p>
             <a:fld id="{DE38AD76-78BD-4DD4-B917-3C581A37BE22}" type="datetimeFigureOut">
               <a:rPr lang="en-US" smtClean="0"/>
-              <a:t>3/8/20</a:t>
+              <a:t>3/23/20</a:t>
             </a:fld>
             <a:endParaRPr lang="en-US"/>
           </a:p>
@@ -4261,7 +4261,7 @@
           <a:p>
             <a:fld id="{DE38AD76-78BD-4DD4-B917-3C581A37BE22}" type="datetimeFigureOut">
               <a:rPr lang="en-US" smtClean="0"/>
-              <a:t>3/8/20</a:t>
+              <a:t>3/23/20</a:t>
             </a:fld>
             <a:endParaRPr lang="en-US"/>
           </a:p>
@@ -4493,7 +4493,7 @@
           <a:p>
             <a:fld id="{DE38AD76-78BD-4DD4-B917-3C581A37BE22}" type="datetimeFigureOut">
               <a:rPr lang="en-US" smtClean="0"/>
-              <a:t>3/8/20</a:t>
+              <a:t>3/23/20</a:t>
             </a:fld>
             <a:endParaRPr lang="en-US"/>
           </a:p>
@@ -4860,7 +4860,7 @@
           <a:p>
             <a:fld id="{DE38AD76-78BD-4DD4-B917-3C581A37BE22}" type="datetimeFigureOut">
               <a:rPr lang="en-US" smtClean="0"/>
-              <a:t>3/8/20</a:t>
+              <a:t>3/23/20</a:t>
             </a:fld>
             <a:endParaRPr lang="en-US"/>
           </a:p>
@@ -4978,7 +4978,7 @@
           <a:p>
             <a:fld id="{DE38AD76-78BD-4DD4-B917-3C581A37BE22}" type="datetimeFigureOut">
               <a:rPr lang="en-US" smtClean="0"/>
-              <a:t>3/8/20</a:t>
+              <a:t>3/23/20</a:t>
             </a:fld>
             <a:endParaRPr lang="en-US"/>
           </a:p>
@@ -5073,7 +5073,7 @@
           <a:p>
             <a:fld id="{DE38AD76-78BD-4DD4-B917-3C581A37BE22}" type="datetimeFigureOut">
               <a:rPr lang="en-US" smtClean="0"/>
-              <a:t>3/8/20</a:t>
+              <a:t>3/23/20</a:t>
             </a:fld>
             <a:endParaRPr lang="en-US"/>
           </a:p>
@@ -5350,7 +5350,7 @@
           <a:p>
             <a:fld id="{DE38AD76-78BD-4DD4-B917-3C581A37BE22}" type="datetimeFigureOut">
               <a:rPr lang="en-US" smtClean="0"/>
-              <a:t>3/8/20</a:t>
+              <a:t>3/23/20</a:t>
             </a:fld>
             <a:endParaRPr lang="en-US"/>
           </a:p>
@@ -5607,7 +5607,7 @@
           <a:p>
             <a:fld id="{DE38AD76-78BD-4DD4-B917-3C581A37BE22}" type="datetimeFigureOut">
               <a:rPr lang="en-US" smtClean="0"/>
-              <a:t>3/8/20</a:t>
+              <a:t>3/23/20</a:t>
             </a:fld>
             <a:endParaRPr lang="en-US"/>
           </a:p>
@@ -5820,7 +5820,7 @@
           <a:p>
             <a:fld id="{DE38AD76-78BD-4DD4-B917-3C581A37BE22}" type="datetimeFigureOut">
               <a:rPr lang="en-US" smtClean="0"/>
-              <a:t>3/8/20</a:t>
+              <a:t>3/23/20</a:t>
             </a:fld>
             <a:endParaRPr lang="en-US"/>
           </a:p>
@@ -6269,7 +6269,12 @@
             <p:ph type="subTitle" idx="1"/>
           </p:nvPr>
         </p:nvSpPr>
-        <p:spPr/>
+        <p:spPr>
+          <a:xfrm>
+            <a:off x="1143000" y="3632860"/>
+            <a:ext cx="6858000" cy="1655762"/>
+          </a:xfrm>
+        </p:spPr>
         <p:txBody>
           <a:bodyPr/>
           <a:lstStyle/>
@@ -9345,7 +9350,7 @@
         </p:blipFill>
         <p:spPr>
           <a:xfrm>
-            <a:off x="628650" y="1150596"/>
+            <a:off x="628650" y="1171144"/>
             <a:ext cx="4059097" cy="2734730"/>
           </a:xfrm>
           <a:prstGeom prst="rect">
@@ -9740,7 +9745,7 @@
           <a:graphicData uri="http://schemas.openxmlformats.org/presentationml/2006/ole">
             <mc:AlternateContent xmlns:mc="http://schemas.openxmlformats.org/markup-compatibility/2006">
               <mc:Choice xmlns:v="urn:schemas-microsoft-com:vml" Requires="v">
-                <p:oleObj spid="_x0000_s5183" name="CS ChemDraw Drawing" r:id="rId5" imgW="1296702" imgH="869803" progId="ChemDraw.Document.6.0">
+                <p:oleObj spid="_x0000_s5185" name="CS ChemDraw Drawing" r:id="rId5" imgW="1296702" imgH="869803" progId="ChemDraw.Document.6.0">
                   <p:embed/>
                 </p:oleObj>
               </mc:Choice>
@@ -19465,7 +19470,7 @@
           <a:graphicData uri="http://schemas.openxmlformats.org/presentationml/2006/ole">
             <mc:AlternateContent xmlns:mc="http://schemas.openxmlformats.org/markup-compatibility/2006">
               <mc:Choice xmlns:v="urn:schemas-microsoft-com:vml" Requires="v">
-                <p:oleObj spid="_x0000_s3156" name="CS ChemDraw Drawing" r:id="rId5" imgW="1942755" imgH="970529" progId="ChemDraw.Document.6.0">
+                <p:oleObj spid="_x0000_s3159" name="CS ChemDraw Drawing" r:id="rId5" imgW="1942755" imgH="970529" progId="ChemDraw.Document.6.0">
                   <p:embed/>
                 </p:oleObj>
               </mc:Choice>
@@ -26093,7 +26098,7 @@
           <a:graphicData uri="http://schemas.openxmlformats.org/presentationml/2006/ole">
             <mc:AlternateContent xmlns:mc="http://schemas.openxmlformats.org/markup-compatibility/2006">
               <mc:Choice xmlns:v="urn:schemas-microsoft-com:vml" Requires="v">
-                <p:oleObj spid="_x0000_s7245" name="CS ChemDraw Drawing" r:id="rId3" imgW="1296702" imgH="869803" progId="ChemDraw.Document.6.0">
+                <p:oleObj spid="_x0000_s7249" name="CS ChemDraw Drawing" r:id="rId3" imgW="1296702" imgH="869803" progId="ChemDraw.Document.6.0">
                   <p:embed/>
                 </p:oleObj>
               </mc:Choice>
@@ -26565,7 +26570,7 @@
           <a:graphicData uri="http://schemas.openxmlformats.org/presentationml/2006/ole">
             <mc:AlternateContent xmlns:mc="http://schemas.openxmlformats.org/markup-compatibility/2006">
               <mc:Choice xmlns:v="urn:schemas-microsoft-com:vml" Requires="v">
-                <p:oleObj spid="_x0000_s7246" name="Worksheet" r:id="rId7" imgW="6568545" imgH="579137" progId="Excel.Sheet.12">
+                <p:oleObj spid="_x0000_s7250" name="Worksheet" r:id="rId7" imgW="6568545" imgH="579137" progId="Excel.Sheet.12">
                   <p:embed/>
                 </p:oleObj>
               </mc:Choice>
@@ -26854,7 +26859,7 @@
           <a:graphicData uri="http://schemas.openxmlformats.org/presentationml/2006/ole">
             <mc:AlternateContent xmlns:mc="http://schemas.openxmlformats.org/markup-compatibility/2006">
               <mc:Choice xmlns:v="urn:schemas-microsoft-com:vml" Requires="v">
-                <p:oleObj spid="_x0000_s8246" name="CS ChemDraw Drawing" r:id="rId4" imgW="1942755" imgH="970529" progId="ChemDraw.Document.6.0">
+                <p:oleObj spid="_x0000_s8249" name="CS ChemDraw Drawing" r:id="rId4" imgW="1942755" imgH="970529" progId="ChemDraw.Document.6.0">
                   <p:embed/>
                 </p:oleObj>
               </mc:Choice>
@@ -27608,18 +27613,18 @@
 </file>
 
 <file path=customXml/item2.xml><?xml version="1.0" encoding="utf-8"?>
-<p:properties xmlns:p="http://schemas.microsoft.com/office/2006/metadata/properties" xmlns:xsi="http://www.w3.org/2001/XMLSchema-instance" xmlns:pc="http://schemas.microsoft.com/office/infopath/2007/PartnerControls">
-  <documentManagement/>
-</p:properties>
-</file>
-
-<file path=customXml/item3.xml><?xml version="1.0" encoding="utf-8"?>
 <?mso-contentType ?>
 <FormTemplates xmlns="http://schemas.microsoft.com/sharepoint/v3/contenttype/forms">
   <Display>DocumentLibraryForm</Display>
   <Edit>DocumentLibraryForm</Edit>
   <New>DocumentLibraryForm</New>
 </FormTemplates>
+</file>
+
+<file path=customXml/item3.xml><?xml version="1.0" encoding="utf-8"?>
+<p:properties xmlns:p="http://schemas.microsoft.com/office/2006/metadata/properties" xmlns:xsi="http://www.w3.org/2001/XMLSchema-instance" xmlns:pc="http://schemas.microsoft.com/office/infopath/2007/PartnerControls">
+  <documentManagement/>
+</p:properties>
 </file>
 
 <file path=customXml/itemProps1.xml><?xml version="1.0" encoding="utf-8"?>
@@ -27642,18 +27647,18 @@
 </file>
 
 <file path=customXml/itemProps2.xml><?xml version="1.0" encoding="utf-8"?>
+<ds:datastoreItem xmlns:ds="http://schemas.openxmlformats.org/officeDocument/2006/customXml" ds:itemID="{9E718BB7-C3C2-4FB9-931E-08642F4C2353}">
+  <ds:schemaRefs>
+    <ds:schemaRef ds:uri="http://schemas.microsoft.com/sharepoint/v3/contenttype/forms"/>
+  </ds:schemaRefs>
+</ds:datastoreItem>
+</file>
+
+<file path=customXml/itemProps3.xml><?xml version="1.0" encoding="utf-8"?>
 <ds:datastoreItem xmlns:ds="http://schemas.openxmlformats.org/officeDocument/2006/customXml" ds:itemID="{4CAE8237-6E7F-47CD-ACE3-3C3CE9980825}">
   <ds:schemaRefs>
     <ds:schemaRef ds:uri="http://schemas.microsoft.com/office/2006/metadata/properties"/>
     <ds:schemaRef ds:uri="http://schemas.microsoft.com/office/infopath/2007/PartnerControls"/>
   </ds:schemaRefs>
 </ds:datastoreItem>
-</file>
-
-<file path=customXml/itemProps3.xml><?xml version="1.0" encoding="utf-8"?>
-<ds:datastoreItem xmlns:ds="http://schemas.openxmlformats.org/officeDocument/2006/customXml" ds:itemID="{9E718BB7-C3C2-4FB9-931E-08642F4C2353}">
-  <ds:schemaRefs>
-    <ds:schemaRef ds:uri="http://schemas.microsoft.com/sharepoint/v3/contenttype/forms"/>
-  </ds:schemaRefs>
-</ds:datastoreItem>
 </file>